--- a/ICESS2017/figure/EvaluationOfExecutionTime.pptx
+++ b/ICESS2017/figure/EvaluationOfExecutionTime.pptx
@@ -8,7 +8,7 @@
     <p:notesMasterId r:id="rId3"/>
   </p:notesMasterIdLst>
   <p:sldIdLst>
-    <p:sldId id="262" r:id="rId2"/>
+    <p:sldId id="263" r:id="rId2"/>
   </p:sldIdLst>
   <p:sldSz cx="12192000" cy="6858000"/>
   <p:notesSz cx="6451600" cy="9321800"/>
@@ -121,7 +121,7 @@
     <cx:externalData r:id="rId1" cx:autoUpdate="0"/>
     <cx:data id="0">
       <cx:numDim type="val">
-        <cx:f>Sheet1!$A$2:$A$807</cx:f>
+        <cx:f>'Sheet1 (2)'!$A$2:$A$807</cx:f>
         <cx:lvl ptCount="806" formatCode="G/標準">
           <cx:pt idx="0">11</cx:pt>
           <cx:pt idx="1">11</cx:pt>
@@ -386,7 +386,7 @@
     </cx:data>
     <cx:data id="1">
       <cx:numDim type="val">
-        <cx:f>Sheet1!$B$2:$B$807</cx:f>
+        <cx:f>'Sheet1 (2)'!$B$2:$B$807</cx:f>
         <cx:lvl ptCount="806" formatCode="G/標準">
           <cx:pt idx="0">14</cx:pt>
           <cx:pt idx="1">14</cx:pt>
@@ -677,7 +677,7 @@
     </cx:data>
     <cx:data id="2">
       <cx:numDim type="val">
-        <cx:f>Sheet1!$C$2:$C$703</cx:f>
+        <cx:f>'Sheet1 (2)'!$C$2:$C$703</cx:f>
         <cx:lvl ptCount="702" formatCode="G/標準">
           <cx:pt idx="0">27</cx:pt>
           <cx:pt idx="1">27</cx:pt>
@@ -986,7 +986,7 @@
     </cx:data>
     <cx:data id="3">
       <cx:numDim type="val">
-        <cx:f>Sheet1!$D$2:$D$635</cx:f>
+        <cx:f>'Sheet1 (2)'!$D$2:$D$635</cx:f>
         <cx:lvl ptCount="634" formatCode="G/標準">
           <cx:pt idx="0">34</cx:pt>
           <cx:pt idx="1">33</cx:pt>
@@ -1256,7 +1256,7 @@
         <cx:series layoutId="boxWhisker" uniqueId="{B2E26314-E5CD-4D1D-8BE6-C12FB436AC0B}">
           <cx:tx>
             <cx:txData>
-              <cx:f>Sheet1!$A$1</cx:f>
+              <cx:f>'Sheet1 (2)'!$A$1</cx:f>
               <cx:v>TINET: tcp_rcv_dat</cx:v>
             </cx:txData>
           </cx:tx>
@@ -1269,7 +1269,7 @@
         <cx:series layoutId="boxWhisker" uniqueId="{CA94F759-E440-4640-8F6E-C938291A0D15}">
           <cx:tx>
             <cx:txData>
-              <cx:f>Sheet1!$B$1</cx:f>
+              <cx:f>'Sheet1 (2)'!$B$1</cx:f>
               <cx:v>TINET+TECS: tcp_rcv_dat</cx:v>
             </cx:txData>
           </cx:tx>
@@ -1282,7 +1282,7 @@
         <cx:series layoutId="boxWhisker" uniqueId="{A2D9A484-9E9C-4AD7-96BC-2E536E909179}">
           <cx:tx>
             <cx:txData>
-              <cx:f>Sheet1!$C$1</cx:f>
+              <cx:f>'Sheet1 (2)'!$C$1</cx:f>
               <cx:v>TINET: tcp_snd_dat</cx:v>
             </cx:txData>
           </cx:tx>
@@ -1295,7 +1295,7 @@
         <cx:series layoutId="boxWhisker" uniqueId="{D618637B-0F33-4741-8CD3-FC8875E8ABE6}">
           <cx:tx>
             <cx:txData>
-              <cx:f>Sheet1!$D$1</cx:f>
+              <cx:f>'Sheet1 (2)'!$D$1</cx:f>
               <cx:v>TINET+TECS: tcp_snd_dat</cx:v>
             </cx:txData>
           </cx:tx>
@@ -1319,13 +1319,33 @@
               <a:lstStyle/>
               <a:p>
                 <a:pPr algn="ctr">
-                  <a:defRPr sz="2000" baseline="0"/>
+                  <a:defRPr/>
                 </a:pPr>
                 <a:r>
-                  <a:rPr lang="en-US" altLang="ja-JP" sz="2000" baseline="0"/>
-                  <a:t>Execution time [ms]</a:t>
+                  <a:rPr lang="en-US" altLang="ja-JP" sz="3200" dirty="0"/>
+                  <a:t>Execution </a:t>
                 </a:r>
-                <a:endParaRPr lang="ja-JP" sz="2000" baseline="0"/>
+                <a:r>
+                  <a:rPr lang="en-US" altLang="ja-JP" sz="3200"/>
+                  <a:t>time </a:t>
+                </a:r>
+                <a:r>
+                  <a:rPr lang="en-US" altLang="ja-JP" sz="3200" smtClean="0"/>
+                  <a:t>[</a:t>
+                </a:r>
+                <a:r>
+                  <a:rPr lang="en-US" altLang="ja-JP" sz="3200" dirty="0" err="1"/>
+                  <a:t>u</a:t>
+                </a:r>
+                <a:r>
+                  <a:rPr lang="en-US" altLang="ja-JP" sz="3200" smtClean="0"/>
+                  <a:t>s</a:t>
+                </a:r>
+                <a:r>
+                  <a:rPr lang="en-US" altLang="ja-JP" sz="3200" dirty="0"/>
+                  <a:t>]</a:t>
+                </a:r>
+                <a:endParaRPr lang="ja-JP" sz="3200" dirty="0"/>
               </a:p>
             </cx:rich>
           </cx:tx>
@@ -1337,14 +1357,14 @@
           <a:lstStyle/>
           <a:p>
             <a:pPr>
-              <a:defRPr sz="2000" baseline="0"/>
+              <a:defRPr sz="3200" baseline="0"/>
             </a:pPr>
-            <a:endParaRPr lang="ja-JP" sz="2000" baseline="0"/>
+            <a:endParaRPr lang="ja-JP" sz="3200" baseline="0"/>
           </a:p>
         </cx:txPr>
       </cx:axis>
     </cx:plotArea>
-    <cx:legend pos="b" align="ctr" overlay="0">
+    <cx:legend pos="r" align="min" overlay="1">
       <cx:txPr>
         <a:bodyPr spcFirstLastPara="1" vertOverflow="ellipsis" wrap="square" lIns="0" tIns="0" rIns="0" bIns="0" anchor="ctr" anchorCtr="1"/>
         <a:lstStyle/>
@@ -1357,6 +1377,7 @@
       </cx:txPr>
     </cx:legend>
   </cx:chart>
+  <cx:clrMapOvr bg1="lt1" tx1="dk1" bg2="lt2" tx2="dk2" accent1="accent1" accent2="accent2" accent3="accent3" accent4="accent4" accent5="accent5" accent6="accent6" hlink="hlink" folHlink="folHlink"/>
 </cx:chartSpace>
 </file>
 
@@ -1968,7 +1989,7 @@
           <a:p>
             <a:fld id="{00D06802-B8EF-4FD8-9511-F1F928CF3A55}" type="datetimeFigureOut">
               <a:rPr kumimoji="1" lang="ja-JP" altLang="en-US" smtClean="0"/>
-              <a:t>2017/2/12</a:t>
+              <a:t>2017/4/13</a:t>
             </a:fld>
             <a:endParaRPr kumimoji="1" lang="ja-JP" altLang="en-US"/>
           </a:p>
@@ -2399,7 +2420,7 @@
           <a:p>
             <a:fld id="{AA641DB4-C951-4763-94FC-F650C3AA7E65}" type="datetimeFigureOut">
               <a:rPr kumimoji="1" lang="ja-JP" altLang="en-US" smtClean="0"/>
-              <a:t>2017/2/12</a:t>
+              <a:t>2017/4/13</a:t>
             </a:fld>
             <a:endParaRPr kumimoji="1" lang="ja-JP" altLang="en-US"/>
           </a:p>
@@ -2601,7 +2622,7 @@
           <a:p>
             <a:fld id="{AA641DB4-C951-4763-94FC-F650C3AA7E65}" type="datetimeFigureOut">
               <a:rPr kumimoji="1" lang="ja-JP" altLang="en-US" smtClean="0"/>
-              <a:t>2017/2/12</a:t>
+              <a:t>2017/4/13</a:t>
             </a:fld>
             <a:endParaRPr kumimoji="1" lang="ja-JP" altLang="en-US"/>
           </a:p>
@@ -2813,7 +2834,7 @@
           <a:p>
             <a:fld id="{AA641DB4-C951-4763-94FC-F650C3AA7E65}" type="datetimeFigureOut">
               <a:rPr kumimoji="1" lang="ja-JP" altLang="en-US" smtClean="0"/>
-              <a:t>2017/2/12</a:t>
+              <a:t>2017/4/13</a:t>
             </a:fld>
             <a:endParaRPr kumimoji="1" lang="ja-JP" altLang="en-US"/>
           </a:p>
@@ -3015,7 +3036,7 @@
           <a:p>
             <a:fld id="{AA641DB4-C951-4763-94FC-F650C3AA7E65}" type="datetimeFigureOut">
               <a:rPr kumimoji="1" lang="ja-JP" altLang="en-US" smtClean="0"/>
-              <a:t>2017/2/12</a:t>
+              <a:t>2017/4/13</a:t>
             </a:fld>
             <a:endParaRPr kumimoji="1" lang="ja-JP" altLang="en-US"/>
           </a:p>
@@ -3261,7 +3282,7 @@
           <a:p>
             <a:fld id="{AA641DB4-C951-4763-94FC-F650C3AA7E65}" type="datetimeFigureOut">
               <a:rPr kumimoji="1" lang="ja-JP" altLang="en-US" smtClean="0"/>
-              <a:t>2017/2/12</a:t>
+              <a:t>2017/4/13</a:t>
             </a:fld>
             <a:endParaRPr kumimoji="1" lang="ja-JP" altLang="en-US"/>
           </a:p>
@@ -3557,7 +3578,7 @@
           <a:p>
             <a:fld id="{AA641DB4-C951-4763-94FC-F650C3AA7E65}" type="datetimeFigureOut">
               <a:rPr kumimoji="1" lang="ja-JP" altLang="en-US" smtClean="0"/>
-              <a:t>2017/2/12</a:t>
+              <a:t>2017/4/13</a:t>
             </a:fld>
             <a:endParaRPr kumimoji="1" lang="ja-JP" altLang="en-US"/>
           </a:p>
@@ -3988,7 +4009,7 @@
           <a:p>
             <a:fld id="{AA641DB4-C951-4763-94FC-F650C3AA7E65}" type="datetimeFigureOut">
               <a:rPr kumimoji="1" lang="ja-JP" altLang="en-US" smtClean="0"/>
-              <a:t>2017/2/12</a:t>
+              <a:t>2017/4/13</a:t>
             </a:fld>
             <a:endParaRPr kumimoji="1" lang="ja-JP" altLang="en-US"/>
           </a:p>
@@ -4106,7 +4127,7 @@
           <a:p>
             <a:fld id="{AA641DB4-C951-4763-94FC-F650C3AA7E65}" type="datetimeFigureOut">
               <a:rPr kumimoji="1" lang="ja-JP" altLang="en-US" smtClean="0"/>
-              <a:t>2017/2/12</a:t>
+              <a:t>2017/4/13</a:t>
             </a:fld>
             <a:endParaRPr kumimoji="1" lang="ja-JP" altLang="en-US"/>
           </a:p>
@@ -4201,7 +4222,7 @@
           <a:p>
             <a:fld id="{AA641DB4-C951-4763-94FC-F650C3AA7E65}" type="datetimeFigureOut">
               <a:rPr kumimoji="1" lang="ja-JP" altLang="en-US" smtClean="0"/>
-              <a:t>2017/2/12</a:t>
+              <a:t>2017/4/13</a:t>
             </a:fld>
             <a:endParaRPr kumimoji="1" lang="ja-JP" altLang="en-US"/>
           </a:p>
@@ -4510,7 +4531,7 @@
           <a:p>
             <a:fld id="{AA641DB4-C951-4763-94FC-F650C3AA7E65}" type="datetimeFigureOut">
               <a:rPr kumimoji="1" lang="ja-JP" altLang="en-US" smtClean="0"/>
-              <a:t>2017/2/12</a:t>
+              <a:t>2017/4/13</a:t>
             </a:fld>
             <a:endParaRPr kumimoji="1" lang="ja-JP" altLang="en-US"/>
           </a:p>
@@ -4763,7 +4784,7 @@
           <a:p>
             <a:fld id="{AA641DB4-C951-4763-94FC-F650C3AA7E65}" type="datetimeFigureOut">
               <a:rPr kumimoji="1" lang="ja-JP" altLang="en-US" smtClean="0"/>
-              <a:t>2017/2/12</a:t>
+              <a:t>2017/4/13</a:t>
             </a:fld>
             <a:endParaRPr kumimoji="1" lang="ja-JP" altLang="en-US"/>
           </a:p>
@@ -5008,7 +5029,7 @@
           <a:p>
             <a:fld id="{AA641DB4-C951-4763-94FC-F650C3AA7E65}" type="datetimeFigureOut">
               <a:rPr kumimoji="1" lang="ja-JP" altLang="en-US" smtClean="0"/>
-              <a:t>2017/2/12</a:t>
+              <a:t>2017/4/13</a:t>
             </a:fld>
             <a:endParaRPr kumimoji="1" lang="ja-JP" altLang="en-US"/>
           </a:p>
@@ -5413,23 +5434,23 @@
           <a:chExt cx="0" cy="0"/>
         </a:xfrm>
       </p:grpSpPr>
-      <mc:AlternateContent xmlns:mc="http://schemas.openxmlformats.org/markup-compatibility/2006">
-        <mc:Choice xmlns:cx1="http://schemas.microsoft.com/office/drawing/2015/9/8/chartex" Requires="cx1">
+      <mc:AlternateContent xmlns:mc="http://schemas.openxmlformats.org/markup-compatibility/2006" xmlns:cx1="http://schemas.microsoft.com/office/drawing/2015/9/8/chartex">
+        <mc:Choice Requires="cx1">
           <p:graphicFrame>
             <p:nvGraphicFramePr>
-              <p:cNvPr id="4" name="グラフ 3"/>
+              <p:cNvPr id="2" name="グラフ 1"/>
               <p:cNvGraphicFramePr/>
               <p:nvPr>
                 <p:extLst>
                   <p:ext uri="{D42A27DB-BD31-4B8C-83A1-F6EECF244321}">
-                    <p14:modId xmlns:p14="http://schemas.microsoft.com/office/powerpoint/2010/main" val="3339247107"/>
+                    <p14:modId xmlns:p14="http://schemas.microsoft.com/office/powerpoint/2010/main" val="1719035254"/>
                   </p:ext>
                 </p:extLst>
               </p:nvPr>
             </p:nvGraphicFramePr>
             <p:xfrm>
-              <a:off x="0" y="1"/>
-              <a:ext cx="12192000" cy="6858000"/>
+              <a:off x="0" y="0"/>
+              <a:ext cx="12192000" cy="6857999"/>
             </p:xfrm>
             <a:graphic>
               <a:graphicData uri="http://schemas.microsoft.com/office/drawing/2014/chartex">
@@ -5438,10 +5459,10 @@
             </a:graphic>
           </p:graphicFrame>
         </mc:Choice>
-        <mc:Fallback>
+        <mc:Fallback xmlns="">
           <p:pic>
             <p:nvPicPr>
-              <p:cNvPr id="4" name="グラフ 3"/>
+              <p:cNvPr id="2" name="グラフ 1"/>
               <p:cNvPicPr>
                 <a:picLocks noGrp="1" noRot="1" noChangeAspect="1" noMove="1" noResize="1" noEditPoints="1" noAdjustHandles="1" noChangeArrowheads="1" noChangeShapeType="1"/>
               </p:cNvPicPr>
@@ -5455,8 +5476,8 @@
             </p:blipFill>
             <p:spPr>
               <a:xfrm>
-                <a:off x="0" y="1"/>
-                <a:ext cx="12192000" cy="6858000"/>
+                <a:off x="0" y="0"/>
+                <a:ext cx="12192000" cy="6857999"/>
               </a:xfrm>
               <a:prstGeom prst="rect">
                 <a:avLst/>
@@ -5468,7 +5489,7 @@
     </p:spTree>
     <p:extLst>
       <p:ext uri="{BB962C8B-B14F-4D97-AF65-F5344CB8AC3E}">
-        <p14:creationId xmlns:p14="http://schemas.microsoft.com/office/powerpoint/2010/main" val="291988598"/>
+        <p14:creationId xmlns:p14="http://schemas.microsoft.com/office/powerpoint/2010/main" val="470024145"/>
       </p:ext>
     </p:extLst>
   </p:cSld>

--- a/ICESS2017/figure/EvaluationOfExecutionTime.pptx
+++ b/ICESS2017/figure/EvaluationOfExecutionTime.pptx
@@ -1370,9 +1370,9 @@
         <a:lstStyle/>
         <a:p>
           <a:pPr>
-            <a:defRPr sz="2000" baseline="0"/>
+            <a:defRPr sz="2200" baseline="0"/>
           </a:pPr>
-          <a:endParaRPr lang="ja-JP" sz="2000" baseline="0"/>
+          <a:endParaRPr lang="ja-JP" sz="2200" baseline="0"/>
         </a:p>
       </cx:txPr>
     </cx:legend>
@@ -1989,7 +1989,7 @@
           <a:p>
             <a:fld id="{00D06802-B8EF-4FD8-9511-F1F928CF3A55}" type="datetimeFigureOut">
               <a:rPr kumimoji="1" lang="ja-JP" altLang="en-US" smtClean="0"/>
-              <a:t>2017/4/13</a:t>
+              <a:t>2017/6/12</a:t>
             </a:fld>
             <a:endParaRPr kumimoji="1" lang="ja-JP" altLang="en-US"/>
           </a:p>
@@ -2420,7 +2420,7 @@
           <a:p>
             <a:fld id="{AA641DB4-C951-4763-94FC-F650C3AA7E65}" type="datetimeFigureOut">
               <a:rPr kumimoji="1" lang="ja-JP" altLang="en-US" smtClean="0"/>
-              <a:t>2017/4/13</a:t>
+              <a:t>2017/6/12</a:t>
             </a:fld>
             <a:endParaRPr kumimoji="1" lang="ja-JP" altLang="en-US"/>
           </a:p>
@@ -2622,7 +2622,7 @@
           <a:p>
             <a:fld id="{AA641DB4-C951-4763-94FC-F650C3AA7E65}" type="datetimeFigureOut">
               <a:rPr kumimoji="1" lang="ja-JP" altLang="en-US" smtClean="0"/>
-              <a:t>2017/4/13</a:t>
+              <a:t>2017/6/12</a:t>
             </a:fld>
             <a:endParaRPr kumimoji="1" lang="ja-JP" altLang="en-US"/>
           </a:p>
@@ -2834,7 +2834,7 @@
           <a:p>
             <a:fld id="{AA641DB4-C951-4763-94FC-F650C3AA7E65}" type="datetimeFigureOut">
               <a:rPr kumimoji="1" lang="ja-JP" altLang="en-US" smtClean="0"/>
-              <a:t>2017/4/13</a:t>
+              <a:t>2017/6/12</a:t>
             </a:fld>
             <a:endParaRPr kumimoji="1" lang="ja-JP" altLang="en-US"/>
           </a:p>
@@ -3036,7 +3036,7 @@
           <a:p>
             <a:fld id="{AA641DB4-C951-4763-94FC-F650C3AA7E65}" type="datetimeFigureOut">
               <a:rPr kumimoji="1" lang="ja-JP" altLang="en-US" smtClean="0"/>
-              <a:t>2017/4/13</a:t>
+              <a:t>2017/6/12</a:t>
             </a:fld>
             <a:endParaRPr kumimoji="1" lang="ja-JP" altLang="en-US"/>
           </a:p>
@@ -3282,7 +3282,7 @@
           <a:p>
             <a:fld id="{AA641DB4-C951-4763-94FC-F650C3AA7E65}" type="datetimeFigureOut">
               <a:rPr kumimoji="1" lang="ja-JP" altLang="en-US" smtClean="0"/>
-              <a:t>2017/4/13</a:t>
+              <a:t>2017/6/12</a:t>
             </a:fld>
             <a:endParaRPr kumimoji="1" lang="ja-JP" altLang="en-US"/>
           </a:p>
@@ -3578,7 +3578,7 @@
           <a:p>
             <a:fld id="{AA641DB4-C951-4763-94FC-F650C3AA7E65}" type="datetimeFigureOut">
               <a:rPr kumimoji="1" lang="ja-JP" altLang="en-US" smtClean="0"/>
-              <a:t>2017/4/13</a:t>
+              <a:t>2017/6/12</a:t>
             </a:fld>
             <a:endParaRPr kumimoji="1" lang="ja-JP" altLang="en-US"/>
           </a:p>
@@ -4009,7 +4009,7 @@
           <a:p>
             <a:fld id="{AA641DB4-C951-4763-94FC-F650C3AA7E65}" type="datetimeFigureOut">
               <a:rPr kumimoji="1" lang="ja-JP" altLang="en-US" smtClean="0"/>
-              <a:t>2017/4/13</a:t>
+              <a:t>2017/6/12</a:t>
             </a:fld>
             <a:endParaRPr kumimoji="1" lang="ja-JP" altLang="en-US"/>
           </a:p>
@@ -4127,7 +4127,7 @@
           <a:p>
             <a:fld id="{AA641DB4-C951-4763-94FC-F650C3AA7E65}" type="datetimeFigureOut">
               <a:rPr kumimoji="1" lang="ja-JP" altLang="en-US" smtClean="0"/>
-              <a:t>2017/4/13</a:t>
+              <a:t>2017/6/12</a:t>
             </a:fld>
             <a:endParaRPr kumimoji="1" lang="ja-JP" altLang="en-US"/>
           </a:p>
@@ -4222,7 +4222,7 @@
           <a:p>
             <a:fld id="{AA641DB4-C951-4763-94FC-F650C3AA7E65}" type="datetimeFigureOut">
               <a:rPr kumimoji="1" lang="ja-JP" altLang="en-US" smtClean="0"/>
-              <a:t>2017/4/13</a:t>
+              <a:t>2017/6/12</a:t>
             </a:fld>
             <a:endParaRPr kumimoji="1" lang="ja-JP" altLang="en-US"/>
           </a:p>
@@ -4531,7 +4531,7 @@
           <a:p>
             <a:fld id="{AA641DB4-C951-4763-94FC-F650C3AA7E65}" type="datetimeFigureOut">
               <a:rPr kumimoji="1" lang="ja-JP" altLang="en-US" smtClean="0"/>
-              <a:t>2017/4/13</a:t>
+              <a:t>2017/6/12</a:t>
             </a:fld>
             <a:endParaRPr kumimoji="1" lang="ja-JP" altLang="en-US"/>
           </a:p>
@@ -4784,7 +4784,7 @@
           <a:p>
             <a:fld id="{AA641DB4-C951-4763-94FC-F650C3AA7E65}" type="datetimeFigureOut">
               <a:rPr kumimoji="1" lang="ja-JP" altLang="en-US" smtClean="0"/>
-              <a:t>2017/4/13</a:t>
+              <a:t>2017/6/12</a:t>
             </a:fld>
             <a:endParaRPr kumimoji="1" lang="ja-JP" altLang="en-US"/>
           </a:p>
@@ -5029,7 +5029,7 @@
           <a:p>
             <a:fld id="{AA641DB4-C951-4763-94FC-F650C3AA7E65}" type="datetimeFigureOut">
               <a:rPr kumimoji="1" lang="ja-JP" altLang="en-US" smtClean="0"/>
-              <a:t>2017/4/13</a:t>
+              <a:t>2017/6/12</a:t>
             </a:fld>
             <a:endParaRPr kumimoji="1" lang="ja-JP" altLang="en-US"/>
           </a:p>
@@ -5434,8 +5434,8 @@
           <a:chExt cx="0" cy="0"/>
         </a:xfrm>
       </p:grpSpPr>
-      <mc:AlternateContent xmlns:mc="http://schemas.openxmlformats.org/markup-compatibility/2006" xmlns:cx1="http://schemas.microsoft.com/office/drawing/2015/9/8/chartex">
-        <mc:Choice Requires="cx1">
+      <mc:AlternateContent xmlns:mc="http://schemas.openxmlformats.org/markup-compatibility/2006">
+        <mc:Choice xmlns:cx1="http://schemas.microsoft.com/office/drawing/2015/9/8/chartex" Requires="cx1">
           <p:graphicFrame>
             <p:nvGraphicFramePr>
               <p:cNvPr id="2" name="グラフ 1"/>
@@ -5443,7 +5443,7 @@
               <p:nvPr>
                 <p:extLst>
                   <p:ext uri="{D42A27DB-BD31-4B8C-83A1-F6EECF244321}">
-                    <p14:modId xmlns:p14="http://schemas.microsoft.com/office/powerpoint/2010/main" val="1719035254"/>
+                    <p14:modId xmlns:p14="http://schemas.microsoft.com/office/powerpoint/2010/main" val="1280017881"/>
                   </p:ext>
                 </p:extLst>
               </p:nvPr>
@@ -5459,7 +5459,7 @@
             </a:graphic>
           </p:graphicFrame>
         </mc:Choice>
-        <mc:Fallback xmlns="">
+        <mc:Fallback>
           <p:pic>
             <p:nvPicPr>
               <p:cNvPr id="2" name="グラフ 1"/>
